--- a/Comic Book Reader.pptx
+++ b/Comic Book Reader.pptx
@@ -109,6 +109,11 @@
       </a:defRPr>
     </a:lvl9pPr>
   </p:defaultTextStyle>
+  <p:extLst>
+    <p:ext uri="{EFAFB233-063F-42B5-8137-9DF3F51BA10A}">
+      <p15:sldGuideLst xmlns:p15="http://schemas.microsoft.com/office/powerpoint/2012/main"/>
+    </p:ext>
+  </p:extLst>
 </p:presentation>
 </file>
 
@@ -338,7 +343,7 @@
           <a:p>
             <a:fld id="{74E2FB32-CB8A-476E-A362-BAC06AF11F11}" type="datetimeFigureOut">
               <a:rPr lang="fr-FR" smtClean="0"/>
-              <a:t>27/01/2025</a:t>
+              <a:t>29/01/2025</a:t>
             </a:fld>
             <a:endParaRPr lang="fr-FR"/>
           </a:p>
@@ -546,7 +551,7 @@
           <a:p>
             <a:fld id="{74E2FB32-CB8A-476E-A362-BAC06AF11F11}" type="datetimeFigureOut">
               <a:rPr lang="fr-FR" smtClean="0"/>
-              <a:t>27/01/2025</a:t>
+              <a:t>29/01/2025</a:t>
             </a:fld>
             <a:endParaRPr lang="fr-FR"/>
           </a:p>
@@ -802,7 +807,7 @@
           <a:p>
             <a:fld id="{74E2FB32-CB8A-476E-A362-BAC06AF11F11}" type="datetimeFigureOut">
               <a:rPr lang="fr-FR" smtClean="0"/>
-              <a:t>27/01/2025</a:t>
+              <a:t>29/01/2025</a:t>
             </a:fld>
             <a:endParaRPr lang="fr-FR"/>
           </a:p>
@@ -976,7 +981,7 @@
           <a:p>
             <a:fld id="{74E2FB32-CB8A-476E-A362-BAC06AF11F11}" type="datetimeFigureOut">
               <a:rPr lang="fr-FR" smtClean="0"/>
-              <a:t>27/01/2025</a:t>
+              <a:t>29/01/2025</a:t>
             </a:fld>
             <a:endParaRPr lang="fr-FR"/>
           </a:p>
@@ -1319,7 +1324,7 @@
           <a:p>
             <a:fld id="{74E2FB32-CB8A-476E-A362-BAC06AF11F11}" type="datetimeFigureOut">
               <a:rPr lang="fr-FR" smtClean="0"/>
-              <a:t>27/01/2025</a:t>
+              <a:t>29/01/2025</a:t>
             </a:fld>
             <a:endParaRPr lang="fr-FR"/>
           </a:p>
@@ -1594,7 +1599,7 @@
           <a:p>
             <a:fld id="{74E2FB32-CB8A-476E-A362-BAC06AF11F11}" type="datetimeFigureOut">
               <a:rPr lang="fr-FR" smtClean="0"/>
-              <a:t>27/01/2025</a:t>
+              <a:t>29/01/2025</a:t>
             </a:fld>
             <a:endParaRPr lang="fr-FR"/>
           </a:p>
@@ -1973,7 +1978,7 @@
           <a:p>
             <a:fld id="{74E2FB32-CB8A-476E-A362-BAC06AF11F11}" type="datetimeFigureOut">
               <a:rPr lang="fr-FR" smtClean="0"/>
-              <a:t>27/01/2025</a:t>
+              <a:t>29/01/2025</a:t>
             </a:fld>
             <a:endParaRPr lang="fr-FR"/>
           </a:p>
@@ -2091,7 +2096,7 @@
           <a:p>
             <a:fld id="{74E2FB32-CB8A-476E-A362-BAC06AF11F11}" type="datetimeFigureOut">
               <a:rPr lang="fr-FR" smtClean="0"/>
-              <a:t>27/01/2025</a:t>
+              <a:t>29/01/2025</a:t>
             </a:fld>
             <a:endParaRPr lang="fr-FR"/>
           </a:p>
@@ -2262,7 +2267,7 @@
           <a:p>
             <a:fld id="{74E2FB32-CB8A-476E-A362-BAC06AF11F11}" type="datetimeFigureOut">
               <a:rPr lang="fr-FR" smtClean="0"/>
-              <a:t>27/01/2025</a:t>
+              <a:t>29/01/2025</a:t>
             </a:fld>
             <a:endParaRPr lang="fr-FR"/>
           </a:p>
@@ -2616,7 +2621,7 @@
           <a:p>
             <a:fld id="{74E2FB32-CB8A-476E-A362-BAC06AF11F11}" type="datetimeFigureOut">
               <a:rPr lang="fr-FR" smtClean="0"/>
-              <a:t>27/01/2025</a:t>
+              <a:t>29/01/2025</a:t>
             </a:fld>
             <a:endParaRPr lang="fr-FR"/>
           </a:p>
@@ -2998,7 +3003,7 @@
           <a:p>
             <a:fld id="{74E2FB32-CB8A-476E-A362-BAC06AF11F11}" type="datetimeFigureOut">
               <a:rPr lang="fr-FR" smtClean="0"/>
-              <a:t>27/01/2025</a:t>
+              <a:t>29/01/2025</a:t>
             </a:fld>
             <a:endParaRPr lang="fr-FR"/>
           </a:p>
@@ -3285,7 +3290,7 @@
           <a:p>
             <a:fld id="{74E2FB32-CB8A-476E-A362-BAC06AF11F11}" type="datetimeFigureOut">
               <a:rPr lang="fr-FR" smtClean="0"/>
-              <a:t>27/01/2025</a:t>
+              <a:t>29/01/2025</a:t>
             </a:fld>
             <a:endParaRPr lang="fr-FR"/>
           </a:p>
